--- a/Doc/PresentaciónReto2.pptx
+++ b/Doc/PresentaciónReto2.pptx
@@ -9503,8 +9503,8 @@
         </p:nvSpPr>
         <p:spPr>
           <a:xfrm>
-            <a:off x="1045182" y="2501826"/>
-            <a:ext cx="7101505" cy="2603574"/>
+            <a:off x="1045182" y="2146301"/>
+            <a:ext cx="6206518" cy="4204940"/>
           </a:xfrm>
         </p:spPr>
         <p:txBody>
@@ -9513,9 +9513,9 @@
           </a:bodyPr>
           <a:lstStyle/>
           <a:p>
-            <a:pPr marL="342900" indent="-342900">
-              <a:buFont typeface="Arial" panose="020B0604020202020204" pitchFamily="34" charset="0"/>
-              <a:buChar char="•"/>
+            <a:pPr marL="457200" indent="-457200">
+              <a:buFont typeface="+mj-lt"/>
+              <a:buAutoNum type="arabicPeriod"/>
             </a:pPr>
             <a:r>
               <a:rPr lang="es-ES" dirty="0">
@@ -9527,9 +9527,9 @@
             </a:r>
           </a:p>
           <a:p>
-            <a:pPr marL="342900" indent="-342900">
-              <a:buFont typeface="Arial" panose="020B0604020202020204" pitchFamily="34" charset="0"/>
-              <a:buChar char="•"/>
+            <a:pPr marL="457200" indent="-457200">
+              <a:buFont typeface="+mj-lt"/>
+              <a:buAutoNum type="arabicPeriod"/>
             </a:pPr>
             <a:r>
               <a:rPr lang="es-ES" noProof="1">
@@ -9546,9 +9546,9 @@
             </a:endParaRPr>
           </a:p>
           <a:p>
-            <a:pPr marL="342900" indent="-342900">
-              <a:buFont typeface="Arial" panose="020B0604020202020204" pitchFamily="34" charset="0"/>
-              <a:buChar char="•"/>
+            <a:pPr marL="457200" indent="-457200">
+              <a:buFont typeface="+mj-lt"/>
+              <a:buAutoNum type="arabicPeriod"/>
             </a:pPr>
             <a:r>
               <a:rPr lang="en-US" dirty="0">
@@ -9560,9 +9560,70 @@
             </a:r>
           </a:p>
           <a:p>
-            <a:pPr marL="342900" indent="-342900">
-              <a:buFont typeface="Arial" panose="020B0604020202020204" pitchFamily="34" charset="0"/>
-              <a:buChar char="•"/>
+            <a:pPr marL="914400" lvl="1" indent="-457200" algn="l">
+              <a:buFont typeface="+mj-lt"/>
+              <a:buAutoNum type="alphaLcParenR"/>
+            </a:pPr>
+            <a:r>
+              <a:rPr lang="es-ES" dirty="0">
+                <a:solidFill>
+                  <a:schemeClr val="tx1"/>
+                </a:solidFill>
+              </a:rPr>
+              <a:t>Planteamiento y Distribución</a:t>
+            </a:r>
+          </a:p>
+          <a:p>
+            <a:pPr marL="914400" lvl="1" indent="-457200" algn="l">
+              <a:buFont typeface="+mj-lt"/>
+              <a:buAutoNum type="alphaLcParenR"/>
+            </a:pPr>
+            <a:r>
+              <a:rPr lang="es-ES" dirty="0">
+                <a:solidFill>
+                  <a:schemeClr val="tx1"/>
+                </a:solidFill>
+              </a:rPr>
+              <a:t>Desarrollo base</a:t>
+            </a:r>
+          </a:p>
+          <a:p>
+            <a:pPr marL="914400" lvl="1" indent="-457200" algn="l">
+              <a:buFont typeface="+mj-lt"/>
+              <a:buAutoNum type="alphaLcParenR"/>
+            </a:pPr>
+            <a:r>
+              <a:rPr lang="es-ES" dirty="0">
+                <a:solidFill>
+                  <a:schemeClr val="tx1"/>
+                </a:solidFill>
+              </a:rPr>
+              <a:t>Funcionalidades</a:t>
+            </a:r>
+          </a:p>
+          <a:p>
+            <a:pPr marL="914400" lvl="1" indent="-457200" algn="l">
+              <a:buFont typeface="+mj-lt"/>
+              <a:buAutoNum type="alphaLcParenR"/>
+            </a:pPr>
+            <a:r>
+              <a:rPr lang="es-ES" dirty="0">
+                <a:solidFill>
+                  <a:schemeClr val="tx1"/>
+                </a:solidFill>
+              </a:rPr>
+              <a:t>Retoques</a:t>
+            </a:r>
+            <a:endParaRPr lang="en-US" dirty="0">
+              <a:solidFill>
+                <a:schemeClr val="tx1"/>
+              </a:solidFill>
+            </a:endParaRPr>
+          </a:p>
+          <a:p>
+            <a:pPr marL="457200" indent="-457200">
+              <a:buFont typeface="+mj-lt"/>
+              <a:buAutoNum type="arabicPeriod"/>
             </a:pPr>
             <a:r>
               <a:rPr lang="en-US" dirty="0" err="1">
@@ -9582,9 +9643,9 @@
             </a:r>
           </a:p>
           <a:p>
-            <a:pPr marL="342900" indent="-342900">
-              <a:buFont typeface="Arial" panose="020B0604020202020204" pitchFamily="34" charset="0"/>
-              <a:buChar char="•"/>
+            <a:pPr marL="457200" indent="-457200">
+              <a:buFont typeface="+mj-lt"/>
+              <a:buAutoNum type="arabicPeriod"/>
             </a:pPr>
             <a:r>
               <a:rPr lang="en-US" dirty="0" err="1">
@@ -10055,30 +10116,21 @@
                             </p:childTnLst>
                           </p:cTn>
                         </p:par>
-                      </p:childTnLst>
-                    </p:cTn>
-                  </p:par>
-                  <p:par>
-                    <p:cTn id="28" fill="hold">
-                      <p:stCondLst>
-                        <p:cond delay="indefinite"/>
-                      </p:stCondLst>
-                      <p:childTnLst>
                         <p:par>
-                          <p:cTn id="29" fill="hold">
+                          <p:cTn id="28" fill="hold">
                             <p:stCondLst>
-                              <p:cond delay="0"/>
+                              <p:cond delay="1000"/>
                             </p:stCondLst>
                             <p:childTnLst>
                               <p:par>
-                                <p:cTn id="30" presetID="42" presetClass="entr" presetSubtype="0" fill="hold" grpId="0" nodeType="clickEffect">
+                                <p:cTn id="29" presetID="42" presetClass="entr" presetSubtype="0" fill="hold" grpId="0" nodeType="afterEffect">
                                   <p:stCondLst>
-                                    <p:cond delay="500"/>
+                                    <p:cond delay="0"/>
                                   </p:stCondLst>
                                   <p:childTnLst>
                                     <p:set>
                                       <p:cBhvr>
-                                        <p:cTn id="31" dur="1" fill="hold">
+                                        <p:cTn id="30" dur="1" fill="hold">
                                           <p:stCondLst>
                                             <p:cond delay="0"/>
                                           </p:stCondLst>
@@ -10100,7 +10152,7 @@
                                     </p:set>
                                     <p:animEffect transition="in" filter="fade">
                                       <p:cBhvr>
-                                        <p:cTn id="32" dur="500"/>
+                                        <p:cTn id="31" dur="1000"/>
                                         <p:tgtEl>
                                           <p:spTgt spid="6">
                                             <p:txEl>
@@ -10112,7 +10164,7 @@
                                     </p:animEffect>
                                     <p:anim calcmode="lin" valueType="num">
                                       <p:cBhvr>
-                                        <p:cTn id="33" dur="500" fill="hold"/>
+                                        <p:cTn id="32" dur="1000" fill="hold"/>
                                         <p:tgtEl>
                                           <p:spTgt spid="6">
                                             <p:txEl>
@@ -10139,7 +10191,7 @@
                                     </p:anim>
                                     <p:anim calcmode="lin" valueType="num">
                                       <p:cBhvr>
-                                        <p:cTn id="34" dur="500" fill="hold"/>
+                                        <p:cTn id="33" dur="1000" fill="hold"/>
                                         <p:tgtEl>
                                           <p:spTgt spid="6">
                                             <p:txEl>
@@ -10170,30 +10222,21 @@
                             </p:childTnLst>
                           </p:cTn>
                         </p:par>
-                      </p:childTnLst>
-                    </p:cTn>
-                  </p:par>
-                  <p:par>
-                    <p:cTn id="35" fill="hold">
-                      <p:stCondLst>
-                        <p:cond delay="indefinite"/>
-                      </p:stCondLst>
-                      <p:childTnLst>
                         <p:par>
-                          <p:cTn id="36" fill="hold">
+                          <p:cTn id="34" fill="hold">
                             <p:stCondLst>
-                              <p:cond delay="0"/>
+                              <p:cond delay="2000"/>
                             </p:stCondLst>
                             <p:childTnLst>
                               <p:par>
-                                <p:cTn id="37" presetID="42" presetClass="entr" presetSubtype="0" fill="hold" grpId="0" nodeType="clickEffect">
+                                <p:cTn id="35" presetID="42" presetClass="entr" presetSubtype="0" fill="hold" grpId="0" nodeType="afterEffect">
                                   <p:stCondLst>
-                                    <p:cond delay="500"/>
+                                    <p:cond delay="0"/>
                                   </p:stCondLst>
                                   <p:childTnLst>
                                     <p:set>
                                       <p:cBhvr>
-                                        <p:cTn id="38" dur="1" fill="hold">
+                                        <p:cTn id="36" dur="1" fill="hold">
                                           <p:stCondLst>
                                             <p:cond delay="0"/>
                                           </p:stCondLst>
@@ -10215,7 +10258,7 @@
                                     </p:set>
                                     <p:animEffect transition="in" filter="fade">
                                       <p:cBhvr>
-                                        <p:cTn id="39" dur="500"/>
+                                        <p:cTn id="37" dur="500"/>
                                         <p:tgtEl>
                                           <p:spTgt spid="6">
                                             <p:txEl>
@@ -10227,7 +10270,7 @@
                                     </p:animEffect>
                                     <p:anim calcmode="lin" valueType="num">
                                       <p:cBhvr>
-                                        <p:cTn id="40" dur="500" fill="hold"/>
+                                        <p:cTn id="38" dur="500" fill="hold"/>
                                         <p:tgtEl>
                                           <p:spTgt spid="6">
                                             <p:txEl>
@@ -10254,11 +10297,453 @@
                                     </p:anim>
                                     <p:anim calcmode="lin" valueType="num">
                                       <p:cBhvr>
-                                        <p:cTn id="41" dur="500" fill="hold"/>
+                                        <p:cTn id="39" dur="500" fill="hold"/>
                                         <p:tgtEl>
                                           <p:spTgt spid="6">
                                             <p:txEl>
                                               <p:pRg st="4" end="4"/>
+                                            </p:txEl>
+                                          </p:spTgt>
+                                        </p:tgtEl>
+                                        <p:attrNameLst>
+                                          <p:attrName>ppt_y</p:attrName>
+                                        </p:attrNameLst>
+                                      </p:cBhvr>
+                                      <p:tavLst>
+                                        <p:tav tm="0">
+                                          <p:val>
+                                            <p:strVal val="#ppt_y+.1"/>
+                                          </p:val>
+                                        </p:tav>
+                                        <p:tav tm="100000">
+                                          <p:val>
+                                            <p:strVal val="#ppt_y"/>
+                                          </p:val>
+                                        </p:tav>
+                                      </p:tavLst>
+                                    </p:anim>
+                                  </p:childTnLst>
+                                </p:cTn>
+                              </p:par>
+                            </p:childTnLst>
+                          </p:cTn>
+                        </p:par>
+                        <p:par>
+                          <p:cTn id="40" fill="hold">
+                            <p:stCondLst>
+                              <p:cond delay="2500"/>
+                            </p:stCondLst>
+                            <p:childTnLst>
+                              <p:par>
+                                <p:cTn id="41" presetID="42" presetClass="entr" presetSubtype="0" fill="hold" grpId="0" nodeType="afterEffect">
+                                  <p:stCondLst>
+                                    <p:cond delay="0"/>
+                                  </p:stCondLst>
+                                  <p:childTnLst>
+                                    <p:set>
+                                      <p:cBhvr>
+                                        <p:cTn id="42" dur="1" fill="hold">
+                                          <p:stCondLst>
+                                            <p:cond delay="0"/>
+                                          </p:stCondLst>
+                                        </p:cTn>
+                                        <p:tgtEl>
+                                          <p:spTgt spid="6">
+                                            <p:txEl>
+                                              <p:pRg st="5" end="5"/>
+                                            </p:txEl>
+                                          </p:spTgt>
+                                        </p:tgtEl>
+                                        <p:attrNameLst>
+                                          <p:attrName>style.visibility</p:attrName>
+                                        </p:attrNameLst>
+                                      </p:cBhvr>
+                                      <p:to>
+                                        <p:strVal val="visible"/>
+                                      </p:to>
+                                    </p:set>
+                                    <p:animEffect transition="in" filter="fade">
+                                      <p:cBhvr>
+                                        <p:cTn id="43" dur="500"/>
+                                        <p:tgtEl>
+                                          <p:spTgt spid="6">
+                                            <p:txEl>
+                                              <p:pRg st="5" end="5"/>
+                                            </p:txEl>
+                                          </p:spTgt>
+                                        </p:tgtEl>
+                                      </p:cBhvr>
+                                    </p:animEffect>
+                                    <p:anim calcmode="lin" valueType="num">
+                                      <p:cBhvr>
+                                        <p:cTn id="44" dur="500" fill="hold"/>
+                                        <p:tgtEl>
+                                          <p:spTgt spid="6">
+                                            <p:txEl>
+                                              <p:pRg st="5" end="5"/>
+                                            </p:txEl>
+                                          </p:spTgt>
+                                        </p:tgtEl>
+                                        <p:attrNameLst>
+                                          <p:attrName>ppt_x</p:attrName>
+                                        </p:attrNameLst>
+                                      </p:cBhvr>
+                                      <p:tavLst>
+                                        <p:tav tm="0">
+                                          <p:val>
+                                            <p:strVal val="#ppt_x"/>
+                                          </p:val>
+                                        </p:tav>
+                                        <p:tav tm="100000">
+                                          <p:val>
+                                            <p:strVal val="#ppt_x"/>
+                                          </p:val>
+                                        </p:tav>
+                                      </p:tavLst>
+                                    </p:anim>
+                                    <p:anim calcmode="lin" valueType="num">
+                                      <p:cBhvr>
+                                        <p:cTn id="45" dur="500" fill="hold"/>
+                                        <p:tgtEl>
+                                          <p:spTgt spid="6">
+                                            <p:txEl>
+                                              <p:pRg st="5" end="5"/>
+                                            </p:txEl>
+                                          </p:spTgt>
+                                        </p:tgtEl>
+                                        <p:attrNameLst>
+                                          <p:attrName>ppt_y</p:attrName>
+                                        </p:attrNameLst>
+                                      </p:cBhvr>
+                                      <p:tavLst>
+                                        <p:tav tm="0">
+                                          <p:val>
+                                            <p:strVal val="#ppt_y+.1"/>
+                                          </p:val>
+                                        </p:tav>
+                                        <p:tav tm="100000">
+                                          <p:val>
+                                            <p:strVal val="#ppt_y"/>
+                                          </p:val>
+                                        </p:tav>
+                                      </p:tavLst>
+                                    </p:anim>
+                                  </p:childTnLst>
+                                </p:cTn>
+                              </p:par>
+                            </p:childTnLst>
+                          </p:cTn>
+                        </p:par>
+                        <p:par>
+                          <p:cTn id="46" fill="hold">
+                            <p:stCondLst>
+                              <p:cond delay="3000"/>
+                            </p:stCondLst>
+                            <p:childTnLst>
+                              <p:par>
+                                <p:cTn id="47" presetID="42" presetClass="entr" presetSubtype="0" fill="hold" grpId="0" nodeType="afterEffect">
+                                  <p:stCondLst>
+                                    <p:cond delay="0"/>
+                                  </p:stCondLst>
+                                  <p:childTnLst>
+                                    <p:set>
+                                      <p:cBhvr>
+                                        <p:cTn id="48" dur="1" fill="hold">
+                                          <p:stCondLst>
+                                            <p:cond delay="0"/>
+                                          </p:stCondLst>
+                                        </p:cTn>
+                                        <p:tgtEl>
+                                          <p:spTgt spid="6">
+                                            <p:txEl>
+                                              <p:pRg st="6" end="6"/>
+                                            </p:txEl>
+                                          </p:spTgt>
+                                        </p:tgtEl>
+                                        <p:attrNameLst>
+                                          <p:attrName>style.visibility</p:attrName>
+                                        </p:attrNameLst>
+                                      </p:cBhvr>
+                                      <p:to>
+                                        <p:strVal val="visible"/>
+                                      </p:to>
+                                    </p:set>
+                                    <p:animEffect transition="in" filter="fade">
+                                      <p:cBhvr>
+                                        <p:cTn id="49" dur="500"/>
+                                        <p:tgtEl>
+                                          <p:spTgt spid="6">
+                                            <p:txEl>
+                                              <p:pRg st="6" end="6"/>
+                                            </p:txEl>
+                                          </p:spTgt>
+                                        </p:tgtEl>
+                                      </p:cBhvr>
+                                    </p:animEffect>
+                                    <p:anim calcmode="lin" valueType="num">
+                                      <p:cBhvr>
+                                        <p:cTn id="50" dur="500" fill="hold"/>
+                                        <p:tgtEl>
+                                          <p:spTgt spid="6">
+                                            <p:txEl>
+                                              <p:pRg st="6" end="6"/>
+                                            </p:txEl>
+                                          </p:spTgt>
+                                        </p:tgtEl>
+                                        <p:attrNameLst>
+                                          <p:attrName>ppt_x</p:attrName>
+                                        </p:attrNameLst>
+                                      </p:cBhvr>
+                                      <p:tavLst>
+                                        <p:tav tm="0">
+                                          <p:val>
+                                            <p:strVal val="#ppt_x"/>
+                                          </p:val>
+                                        </p:tav>
+                                        <p:tav tm="100000">
+                                          <p:val>
+                                            <p:strVal val="#ppt_x"/>
+                                          </p:val>
+                                        </p:tav>
+                                      </p:tavLst>
+                                    </p:anim>
+                                    <p:anim calcmode="lin" valueType="num">
+                                      <p:cBhvr>
+                                        <p:cTn id="51" dur="500" fill="hold"/>
+                                        <p:tgtEl>
+                                          <p:spTgt spid="6">
+                                            <p:txEl>
+                                              <p:pRg st="6" end="6"/>
+                                            </p:txEl>
+                                          </p:spTgt>
+                                        </p:tgtEl>
+                                        <p:attrNameLst>
+                                          <p:attrName>ppt_y</p:attrName>
+                                        </p:attrNameLst>
+                                      </p:cBhvr>
+                                      <p:tavLst>
+                                        <p:tav tm="0">
+                                          <p:val>
+                                            <p:strVal val="#ppt_y+.1"/>
+                                          </p:val>
+                                        </p:tav>
+                                        <p:tav tm="100000">
+                                          <p:val>
+                                            <p:strVal val="#ppt_y"/>
+                                          </p:val>
+                                        </p:tav>
+                                      </p:tavLst>
+                                    </p:anim>
+                                  </p:childTnLst>
+                                </p:cTn>
+                              </p:par>
+                            </p:childTnLst>
+                          </p:cTn>
+                        </p:par>
+                      </p:childTnLst>
+                    </p:cTn>
+                  </p:par>
+                  <p:par>
+                    <p:cTn id="52" fill="hold">
+                      <p:stCondLst>
+                        <p:cond delay="indefinite"/>
+                      </p:stCondLst>
+                      <p:childTnLst>
+                        <p:par>
+                          <p:cTn id="53" fill="hold">
+                            <p:stCondLst>
+                              <p:cond delay="0"/>
+                            </p:stCondLst>
+                            <p:childTnLst>
+                              <p:par>
+                                <p:cTn id="54" presetID="42" presetClass="entr" presetSubtype="0" fill="hold" grpId="0" nodeType="clickEffect">
+                                  <p:stCondLst>
+                                    <p:cond delay="500"/>
+                                  </p:stCondLst>
+                                  <p:childTnLst>
+                                    <p:set>
+                                      <p:cBhvr>
+                                        <p:cTn id="55" dur="1" fill="hold">
+                                          <p:stCondLst>
+                                            <p:cond delay="0"/>
+                                          </p:stCondLst>
+                                        </p:cTn>
+                                        <p:tgtEl>
+                                          <p:spTgt spid="6">
+                                            <p:txEl>
+                                              <p:pRg st="7" end="7"/>
+                                            </p:txEl>
+                                          </p:spTgt>
+                                        </p:tgtEl>
+                                        <p:attrNameLst>
+                                          <p:attrName>style.visibility</p:attrName>
+                                        </p:attrNameLst>
+                                      </p:cBhvr>
+                                      <p:to>
+                                        <p:strVal val="visible"/>
+                                      </p:to>
+                                    </p:set>
+                                    <p:animEffect transition="in" filter="fade">
+                                      <p:cBhvr>
+                                        <p:cTn id="56" dur="500"/>
+                                        <p:tgtEl>
+                                          <p:spTgt spid="6">
+                                            <p:txEl>
+                                              <p:pRg st="7" end="7"/>
+                                            </p:txEl>
+                                          </p:spTgt>
+                                        </p:tgtEl>
+                                      </p:cBhvr>
+                                    </p:animEffect>
+                                    <p:anim calcmode="lin" valueType="num">
+                                      <p:cBhvr>
+                                        <p:cTn id="57" dur="500" fill="hold"/>
+                                        <p:tgtEl>
+                                          <p:spTgt spid="6">
+                                            <p:txEl>
+                                              <p:pRg st="7" end="7"/>
+                                            </p:txEl>
+                                          </p:spTgt>
+                                        </p:tgtEl>
+                                        <p:attrNameLst>
+                                          <p:attrName>ppt_x</p:attrName>
+                                        </p:attrNameLst>
+                                      </p:cBhvr>
+                                      <p:tavLst>
+                                        <p:tav tm="0">
+                                          <p:val>
+                                            <p:strVal val="#ppt_x"/>
+                                          </p:val>
+                                        </p:tav>
+                                        <p:tav tm="100000">
+                                          <p:val>
+                                            <p:strVal val="#ppt_x"/>
+                                          </p:val>
+                                        </p:tav>
+                                      </p:tavLst>
+                                    </p:anim>
+                                    <p:anim calcmode="lin" valueType="num">
+                                      <p:cBhvr>
+                                        <p:cTn id="58" dur="500" fill="hold"/>
+                                        <p:tgtEl>
+                                          <p:spTgt spid="6">
+                                            <p:txEl>
+                                              <p:pRg st="7" end="7"/>
+                                            </p:txEl>
+                                          </p:spTgt>
+                                        </p:tgtEl>
+                                        <p:attrNameLst>
+                                          <p:attrName>ppt_y</p:attrName>
+                                        </p:attrNameLst>
+                                      </p:cBhvr>
+                                      <p:tavLst>
+                                        <p:tav tm="0">
+                                          <p:val>
+                                            <p:strVal val="#ppt_y+.1"/>
+                                          </p:val>
+                                        </p:tav>
+                                        <p:tav tm="100000">
+                                          <p:val>
+                                            <p:strVal val="#ppt_y"/>
+                                          </p:val>
+                                        </p:tav>
+                                      </p:tavLst>
+                                    </p:anim>
+                                  </p:childTnLst>
+                                </p:cTn>
+                              </p:par>
+                            </p:childTnLst>
+                          </p:cTn>
+                        </p:par>
+                      </p:childTnLst>
+                    </p:cTn>
+                  </p:par>
+                  <p:par>
+                    <p:cTn id="59" fill="hold">
+                      <p:stCondLst>
+                        <p:cond delay="indefinite"/>
+                      </p:stCondLst>
+                      <p:childTnLst>
+                        <p:par>
+                          <p:cTn id="60" fill="hold">
+                            <p:stCondLst>
+                              <p:cond delay="0"/>
+                            </p:stCondLst>
+                            <p:childTnLst>
+                              <p:par>
+                                <p:cTn id="61" presetID="42" presetClass="entr" presetSubtype="0" fill="hold" grpId="0" nodeType="clickEffect">
+                                  <p:stCondLst>
+                                    <p:cond delay="500"/>
+                                  </p:stCondLst>
+                                  <p:childTnLst>
+                                    <p:set>
+                                      <p:cBhvr>
+                                        <p:cTn id="62" dur="1" fill="hold">
+                                          <p:stCondLst>
+                                            <p:cond delay="0"/>
+                                          </p:stCondLst>
+                                        </p:cTn>
+                                        <p:tgtEl>
+                                          <p:spTgt spid="6">
+                                            <p:txEl>
+                                              <p:pRg st="8" end="8"/>
+                                            </p:txEl>
+                                          </p:spTgt>
+                                        </p:tgtEl>
+                                        <p:attrNameLst>
+                                          <p:attrName>style.visibility</p:attrName>
+                                        </p:attrNameLst>
+                                      </p:cBhvr>
+                                      <p:to>
+                                        <p:strVal val="visible"/>
+                                      </p:to>
+                                    </p:set>
+                                    <p:animEffect transition="in" filter="fade">
+                                      <p:cBhvr>
+                                        <p:cTn id="63" dur="500"/>
+                                        <p:tgtEl>
+                                          <p:spTgt spid="6">
+                                            <p:txEl>
+                                              <p:pRg st="8" end="8"/>
+                                            </p:txEl>
+                                          </p:spTgt>
+                                        </p:tgtEl>
+                                      </p:cBhvr>
+                                    </p:animEffect>
+                                    <p:anim calcmode="lin" valueType="num">
+                                      <p:cBhvr>
+                                        <p:cTn id="64" dur="500" fill="hold"/>
+                                        <p:tgtEl>
+                                          <p:spTgt spid="6">
+                                            <p:txEl>
+                                              <p:pRg st="8" end="8"/>
+                                            </p:txEl>
+                                          </p:spTgt>
+                                        </p:tgtEl>
+                                        <p:attrNameLst>
+                                          <p:attrName>ppt_x</p:attrName>
+                                        </p:attrNameLst>
+                                      </p:cBhvr>
+                                      <p:tavLst>
+                                        <p:tav tm="0">
+                                          <p:val>
+                                            <p:strVal val="#ppt_x"/>
+                                          </p:val>
+                                        </p:tav>
+                                        <p:tav tm="100000">
+                                          <p:val>
+                                            <p:strVal val="#ppt_x"/>
+                                          </p:val>
+                                        </p:tav>
+                                      </p:tavLst>
+                                    </p:anim>
+                                    <p:anim calcmode="lin" valueType="num">
+                                      <p:cBhvr>
+                                        <p:cTn id="65" dur="500" fill="hold"/>
+                                        <p:tgtEl>
+                                          <p:spTgt spid="6">
+                                            <p:txEl>
+                                              <p:pRg st="8" end="8"/>
                                             </p:txEl>
                                           </p:spTgt>
                                         </p:tgtEl>
@@ -10362,7 +10847,7 @@
           <a:p>
             <a:r>
               <a:rPr lang="es-ES" u="sng" dirty="0"/>
-              <a:t>EL Problema</a:t>
+              <a:t>1. EL Problema</a:t>
             </a:r>
             <a:r>
               <a:rPr lang="en-US" dirty="0"/>
@@ -11033,7 +11518,7 @@
           <a:p>
             <a:r>
               <a:rPr lang="en-US" dirty="0"/>
-              <a:t>NUESTRA </a:t>
+              <a:t>2. NUESTRA </a:t>
             </a:r>
             <a:r>
               <a:rPr lang="en-US" dirty="0" err="1"/>
@@ -11967,7 +12452,7 @@
           <a:p>
             <a:r>
               <a:rPr lang="en-US" dirty="0"/>
-              <a:t>DESARROLLO</a:t>
+              <a:t>3. DESARROLLO</a:t>
             </a:r>
             <a:endParaRPr lang="es-ES" dirty="0"/>
           </a:p>
@@ -12315,7 +12800,7 @@
                   <a:schemeClr val="tx1"/>
                 </a:solidFill>
               </a:rPr>
-              <a:t>Planteamiento y Distribución</a:t>
+              <a:t>A) Planteamiento y Distribución</a:t>
             </a:r>
           </a:p>
           <a:p>
@@ -12329,7 +12814,7 @@
                   <a:schemeClr val="tx1"/>
                 </a:solidFill>
               </a:rPr>
-              <a:t>Desarrollo base</a:t>
+              <a:t>B) Desarrollo base</a:t>
             </a:r>
           </a:p>
           <a:p>
@@ -12343,7 +12828,7 @@
                   <a:schemeClr val="tx1"/>
                 </a:solidFill>
               </a:rPr>
-              <a:t>Funcionalidades</a:t>
+              <a:t>C) Funcionalidades</a:t>
             </a:r>
           </a:p>
           <a:p>
@@ -12357,7 +12842,7 @@
                   <a:schemeClr val="tx1"/>
                 </a:solidFill>
               </a:rPr>
-              <a:t>Retoques</a:t>
+              <a:t>D) Retoques</a:t>
             </a:r>
           </a:p>
           <a:p>
@@ -13278,6 +13763,48 @@
           </a:prstGeom>
         </p:spPr>
       </p:pic>
+      <p:sp>
+        <p:nvSpPr>
+          <p:cNvPr id="6" name="Título 1">
+            <a:extLst>
+              <a:ext uri="{FF2B5EF4-FFF2-40B4-BE49-F238E27FC236}">
+                <a16:creationId xmlns:a16="http://schemas.microsoft.com/office/drawing/2014/main" id="{30BC3150-F94E-4F50-B923-9DB0B7386290}"/>
+              </a:ext>
+            </a:extLst>
+          </p:cNvPr>
+          <p:cNvSpPr>
+            <a:spLocks noGrp="1"/>
+          </p:cNvSpPr>
+          <p:nvPr>
+            <p:ph type="ctrTitle"/>
+          </p:nvPr>
+        </p:nvSpPr>
+        <p:spPr>
+          <a:xfrm>
+            <a:off x="1511145" y="1817702"/>
+            <a:ext cx="8001000" cy="1611298"/>
+          </a:xfrm>
+        </p:spPr>
+        <p:txBody>
+          <a:bodyPr/>
+          <a:lstStyle/>
+          <a:p>
+            <a:r>
+              <a:rPr lang="en-US" dirty="0"/>
+              <a:t>4. </a:t>
+            </a:r>
+            <a:r>
+              <a:rPr lang="en-US" dirty="0" err="1"/>
+              <a:t>Producto</a:t>
+            </a:r>
+            <a:r>
+              <a:rPr lang="en-US" dirty="0"/>
+              <a:t> final</a:t>
+            </a:r>
+            <a:endParaRPr lang="es-ES" dirty="0"/>
+          </a:p>
+        </p:txBody>
+      </p:sp>
     </p:spTree>
     <p:extLst>
       <p:ext uri="{BB962C8B-B14F-4D97-AF65-F5344CB8AC3E}">
@@ -13288,6 +13815,92 @@
   <p:clrMapOvr>
     <a:masterClrMapping/>
   </p:clrMapOvr>
+  <p:timing>
+    <p:tnLst>
+      <p:par>
+        <p:cTn id="1" dur="indefinite" restart="never" nodeType="tmRoot">
+          <p:childTnLst>
+            <p:seq concurrent="1" nextAc="seek">
+              <p:cTn id="2" dur="indefinite" nodeType="mainSeq">
+                <p:childTnLst>
+                  <p:par>
+                    <p:cTn id="3" fill="hold">
+                      <p:stCondLst>
+                        <p:cond delay="indefinite"/>
+                      </p:stCondLst>
+                      <p:childTnLst>
+                        <p:par>
+                          <p:cTn id="4" fill="hold">
+                            <p:stCondLst>
+                              <p:cond delay="0"/>
+                            </p:stCondLst>
+                            <p:childTnLst>
+                              <p:par>
+                                <p:cTn id="5" presetID="10" presetClass="exit" presetSubtype="0" fill="hold" grpId="0" nodeType="clickEffect">
+                                  <p:stCondLst>
+                                    <p:cond delay="0"/>
+                                  </p:stCondLst>
+                                  <p:childTnLst>
+                                    <p:animEffect transition="out" filter="fade">
+                                      <p:cBhvr>
+                                        <p:cTn id="6" dur="500"/>
+                                        <p:tgtEl>
+                                          <p:spTgt spid="6"/>
+                                        </p:tgtEl>
+                                      </p:cBhvr>
+                                    </p:animEffect>
+                                    <p:set>
+                                      <p:cBhvr>
+                                        <p:cTn id="7" dur="1" fill="hold">
+                                          <p:stCondLst>
+                                            <p:cond delay="499"/>
+                                          </p:stCondLst>
+                                        </p:cTn>
+                                        <p:tgtEl>
+                                          <p:spTgt spid="6"/>
+                                        </p:tgtEl>
+                                        <p:attrNameLst>
+                                          <p:attrName>style.visibility</p:attrName>
+                                        </p:attrNameLst>
+                                      </p:cBhvr>
+                                      <p:to>
+                                        <p:strVal val="hidden"/>
+                                      </p:to>
+                                    </p:set>
+                                  </p:childTnLst>
+                                </p:cTn>
+                              </p:par>
+                            </p:childTnLst>
+                          </p:cTn>
+                        </p:par>
+                      </p:childTnLst>
+                    </p:cTn>
+                  </p:par>
+                </p:childTnLst>
+              </p:cTn>
+              <p:prevCondLst>
+                <p:cond evt="onPrev" delay="0">
+                  <p:tgtEl>
+                    <p:sldTgt/>
+                  </p:tgtEl>
+                </p:cond>
+              </p:prevCondLst>
+              <p:nextCondLst>
+                <p:cond evt="onNext" delay="0">
+                  <p:tgtEl>
+                    <p:sldTgt/>
+                  </p:tgtEl>
+                </p:cond>
+              </p:nextCondLst>
+            </p:seq>
+          </p:childTnLst>
+        </p:cTn>
+      </p:par>
+    </p:tnLst>
+    <p:bldLst>
+      <p:bldP spid="6" grpId="0"/>
+    </p:bldLst>
+  </p:timing>
 </p:sld>
 </file>
 
